--- a/algoritma-2/pertemuan-1(array)/materi/pertemuan-1.pptx
+++ b/algoritma-2/pertemuan-1(array)/materi/pertemuan-1.pptx
@@ -21,6 +21,7 @@
     <p:sldId id="273" r:id="rId16"/>
     <p:sldId id="270" r:id="rId17"/>
     <p:sldId id="274" r:id="rId18"/>
+    <p:sldId id="278" r:id="rId19"/>
   </p:sldIdLst>
   <p:sldSz cx="12192000" cy="6858000"/>
   <p:notesSz cx="7103745" cy="10234295"/>
@@ -3686,23 +3687,7 @@
           <a:p>
             <a:r>
               <a:rPr lang="en-US" altLang="en-US"/>
-              <a:t>Game Level </a:t>
-            </a:r>
-            <a:r>
-              <a:rPr lang="" altLang="en-US"/>
-              <a:t>2</a:t>
-            </a:r>
-            <a:r>
-              <a:rPr lang="en-US" altLang="en-US"/>
-              <a:t> (Bomber min</a:t>
-            </a:r>
-            <a:r>
-              <a:rPr lang="" altLang="en-US"/>
-              <a:t>+</a:t>
-            </a:r>
-            <a:r>
-              <a:rPr lang="en-US" altLang="en-US"/>
-              <a:t>)</a:t>
+              <a:t>Game Level 2 (Bomber min+)</a:t>
             </a:r>
             <a:endParaRPr lang="en-US" altLang="en-US"/>
           </a:p>
@@ -3731,20 +3716,20 @@
               <a:buNone/>
             </a:pPr>
             <a:r>
-              <a:rPr lang="" altLang="en-US"/>
+              <a:rPr lang="en-US" altLang="en-US"/>
               <a:t>Setelah sukses dengan bomber min versi 1.0, game house informatika merilis bomber min versi 2.0 yang dinamakan bombermin+. Pada versi ini di tambahkan gameplay untuk mencari berapa damage bom terbesar pada suatu arena.</a:t>
             </a:r>
-            <a:endParaRPr lang="" altLang="en-US"/>
+            <a:endParaRPr lang="en-US" altLang="en-US"/>
           </a:p>
           <a:p>
             <a:pPr marL="0" indent="0">
               <a:buNone/>
             </a:pPr>
             <a:r>
-              <a:rPr lang="" altLang="en-US"/>
+              <a:rPr lang="en-US" altLang="en-US"/>
               <a:t>Update pada versi ini, bom yang di pasang sudah memiliki damage masing masing. Nah tugas kamu adalah mencari berapa damage terbesar bom yang ada di arena</a:t>
             </a:r>
-            <a:endParaRPr lang="" altLang="en-US"/>
+            <a:endParaRPr lang="en-US" altLang="en-US"/>
           </a:p>
         </p:txBody>
       </p:sp>
@@ -4766,23 +4751,7 @@
           <a:p>
             <a:r>
               <a:rPr lang="en-US" altLang="en-US"/>
-              <a:t>Game Level </a:t>
-            </a:r>
-            <a:r>
-              <a:rPr lang="" altLang="en-US"/>
-              <a:t>3</a:t>
-            </a:r>
-            <a:r>
-              <a:rPr lang="en-US" altLang="en-US"/>
-              <a:t> (Bomber min+</a:t>
-            </a:r>
-            <a:r>
-              <a:rPr lang="" altLang="en-US"/>
-              <a:t>+</a:t>
-            </a:r>
-            <a:r>
-              <a:rPr lang="en-US" altLang="en-US"/>
-              <a:t>)</a:t>
+              <a:t>Game Level 3 (Bomber min++)</a:t>
             </a:r>
             <a:endParaRPr lang="en-US" altLang="en-US"/>
           </a:p>
@@ -4813,10 +4782,10 @@
               <a:buNone/>
             </a:pPr>
             <a:r>
-              <a:rPr lang="" altLang="en-US"/>
+              <a:rPr lang="en-US" altLang="en-US"/>
               <a:t>Ternyata game pada versi sebelumnya yaitu bombermin+ mendapat peringkat satu di pasarbermain(play store). Hal ini membuat developer bombermin untuk terus memberikan update kepada penggemarnya. Pada update versi terbaru, dinamakan bomberman++. Pada versi ini ada gameplay tambahan yaitu kalian di berikan HP(nyawa) sebanyak 100. Kemudian kalian di haruskan untuk menelusuri seluruh arena. pada arena tersebut sudah ada bom dengan damage masing-masing yang di sembunyikan, ketika melewati bom maka HP akah berkurang sesaui dengan damage bom. Tantangannya adalah kalian di suruh untuk menelusuri seluruh arena dan menentukan apakah mati apa tidak. Karakter akan mati jika HP &lt;= 0</a:t>
             </a:r>
-            <a:endParaRPr lang="" altLang="en-US"/>
+            <a:endParaRPr lang="en-US" altLang="en-US"/>
           </a:p>
         </p:txBody>
       </p:sp>
@@ -5863,23 +5832,7 @@
           <a:p>
             <a:r>
               <a:rPr lang="en-US" altLang="en-US"/>
-              <a:t>Game Level </a:t>
-            </a:r>
-            <a:r>
-              <a:rPr lang="" altLang="en-US"/>
-              <a:t>4</a:t>
-            </a:r>
-            <a:r>
-              <a:rPr lang="en-US" altLang="en-US"/>
-              <a:t> (Bomber min++</a:t>
-            </a:r>
-            <a:r>
-              <a:rPr lang="" altLang="en-US"/>
-              <a:t>+</a:t>
-            </a:r>
-            <a:r>
-              <a:rPr lang="en-US" altLang="en-US"/>
-              <a:t>)</a:t>
+              <a:t>Game Level 4 (Bomber min+++)</a:t>
             </a:r>
             <a:endParaRPr lang="en-US" altLang="en-US"/>
           </a:p>
@@ -5908,10 +5861,10 @@
               <a:buNone/>
             </a:pPr>
             <a:r>
-              <a:rPr lang="" altLang="en-US"/>
+              <a:rPr lang="en-US" altLang="en-US"/>
               <a:t>Pada versi bomber min+++ tidak terjadi banyak perubahan dari versi sebelumnya. Kalian diberikan HP sejumlah 100 dan diharuskan untuk menelusuri seluruh areana. pada arena sudah terdapat bom yang di sembunyikan dengan damage masing-masing. Kalau pada game sebelumnya kalian di suruh untuk menentukan apakah karakter mati atau tidak. Pada versi ini kalian tidak hanya menentukan mati atau tidak, tetapi kalian juga disuruh menentukan lokasi kematian karakter tersebut. lokasi dalam bentuk indek, misalkan (0,1), (1,1), dll.</a:t>
             </a:r>
-            <a:endParaRPr lang="" altLang="en-US"/>
+            <a:endParaRPr lang="en-US" altLang="en-US"/>
           </a:p>
         </p:txBody>
       </p:sp>
@@ -6937,6 +6890,70 @@
 </p:sld>
 </file>
 
+<file path=ppt/slides/slide17.xml><?xml version="1.0" encoding="utf-8"?>
+<p:sld xmlns:a="http://schemas.openxmlformats.org/drawingml/2006/main" xmlns:r="http://schemas.openxmlformats.org/officeDocument/2006/relationships" xmlns:p="http://schemas.openxmlformats.org/presentationml/2006/main">
+  <p:cSld>
+    <p:spTree>
+      <p:nvGrpSpPr>
+        <p:cNvPr id="1" name=""/>
+        <p:cNvGrpSpPr/>
+        <p:nvPr/>
+      </p:nvGrpSpPr>
+      <p:grpSpPr/>
+      <p:sp>
+        <p:nvSpPr>
+          <p:cNvPr id="2" name="Title 1"/>
+          <p:cNvSpPr>
+            <a:spLocks noGrp="1"/>
+          </p:cNvSpPr>
+          <p:nvPr>
+            <p:ph type="title"/>
+          </p:nvPr>
+        </p:nvSpPr>
+        <p:spPr/>
+        <p:txBody>
+          <a:bodyPr/>
+          <a:p>
+            <a:endParaRPr lang="en-US"/>
+          </a:p>
+        </p:txBody>
+      </p:sp>
+      <p:sp>
+        <p:nvSpPr>
+          <p:cNvPr id="3" name="Content Placeholder 2"/>
+          <p:cNvSpPr>
+            <a:spLocks noGrp="1"/>
+          </p:cNvSpPr>
+          <p:nvPr>
+            <p:ph idx="1"/>
+          </p:nvPr>
+        </p:nvSpPr>
+        <p:spPr/>
+        <p:txBody>
+          <a:bodyPr/>
+          <a:p>
+            <a:pPr marL="0" indent="0">
+              <a:lnSpc>
+                <a:spcPct val="110000"/>
+              </a:lnSpc>
+              <a:buNone/>
+            </a:pPr>
+            <a:r>
+              <a:rPr lang="en-US" altLang="en-US" sz="6600"/>
+              <a:t>riski.midi@yahoo.com</a:t>
+            </a:r>
+            <a:endParaRPr lang="en-US" altLang="en-US" sz="6600"/>
+          </a:p>
+        </p:txBody>
+      </p:sp>
+    </p:spTree>
+  </p:cSld>
+  <p:clrMapOvr>
+    <a:masterClrMapping/>
+  </p:clrMapOvr>
+</p:sld>
+</file>
+
 <file path=ppt/slides/slide2.xml><?xml version="1.0" encoding="utf-8"?>
 <p:sld xmlns:a="http://schemas.openxmlformats.org/drawingml/2006/main" xmlns:r="http://schemas.openxmlformats.org/officeDocument/2006/relationships" xmlns:p="http://schemas.openxmlformats.org/presentationml/2006/main">
   <p:cSld>
@@ -6991,10 +7008,16 @@
               <a:buAutoNum type="arabicPeriod"/>
             </a:pPr>
             <a:r>
+              <a:rPr lang="" altLang="en-US">
+                <a:sym typeface="+mn-ea"/>
+              </a:rPr>
+              <a:t>Hamka Satria</a:t>
+            </a:r>
+            <a:r>
               <a:rPr lang="en-US" altLang="en-US">
                 <a:sym typeface="+mn-ea"/>
               </a:rPr>
-              <a:t>Anggita Ramadhani - IF 17</a:t>
+              <a:t> - IF 17</a:t>
             </a:r>
             <a:endParaRPr lang="en-US" altLang="en-US">
               <a:sym typeface="+mn-ea"/>
@@ -7011,7 +7034,13 @@
               <a:rPr lang="en-US" altLang="en-US">
                 <a:sym typeface="+mn-ea"/>
               </a:rPr>
-              <a:t>     085602250289</a:t>
+              <a:t>     </a:t>
+            </a:r>
+            <a:r>
+              <a:rPr lang="" altLang="en-US">
+                <a:sym typeface="+mn-ea"/>
+              </a:rPr>
+              <a:t>085602250837</a:t>
             </a:r>
             <a:endParaRPr lang="en-US" altLang="en-US">
               <a:sym typeface="+mn-ea"/>
@@ -7304,7 +7333,7 @@
             </a:r>
             <a:r>
               <a:rPr lang="en-US" altLang="en-US">
-                <a:hlinkClick r:id="rId1" tooltip="" action="ppaction://hlinkfile"/>
+                <a:hlinkClick r:id="rId1" action="ppaction://hlinkfile"/>
               </a:rPr>
               <a:t>www.github.com/riskimidiw/praktikum</a:t>
             </a:r>
@@ -9483,10 +9512,10 @@
               <a:buNone/>
             </a:pPr>
             <a:r>
-              <a:rPr lang="" altLang="en-US"/>
+              <a:rPr lang="en-US" altLang="en-US"/>
               <a:t>Di informatika ada sebuah game house yang di dirikan oleh mahasiswa Informatika. Game house tersebut membuat game bernama bomber min, yang terinspirasi dengan game klasik bomber man. Pada versi 1.0 bomber min di rilis dengan gameplay mencari banyaknya bom di suatu arena. Misal kan di berikan arena dengan luas 3x3, di arena tersebut terdapat beberapa bom yang di sembunyikan. Tugas kamu adalah mencari banyak nya bom pada arena tersebut.</a:t>
             </a:r>
-            <a:endParaRPr lang="" altLang="en-US"/>
+            <a:endParaRPr lang="en-US" altLang="en-US"/>
           </a:p>
         </p:txBody>
       </p:sp>
